--- a/Module 6_7 - Unsupervised - DBSCAN.pptx
+++ b/Module 6_7 - Unsupervised - DBSCAN.pptx
@@ -221,7 +221,7 @@
           <a:p>
             <a:fld id="{34475077-A074-4E8C-B45E-964494945228}" type="datetimeFigureOut">
               <a:rPr lang="en-US"/>
-              <a:t>4/20/18</a:t>
+              <a:t>6/20/18</a:t>
             </a:fld>
             <a:endParaRPr/>
           </a:p>
@@ -386,7 +386,7 @@
           <a:p>
             <a:fld id="{6A2B48A4-4B96-49F4-8C25-4C9D06114B2C}" type="datetimeFigureOut">
               <a:rPr lang="en-US"/>
-              <a:t>4/20/18</a:t>
+              <a:t>6/20/18</a:t>
             </a:fld>
             <a:endParaRPr/>
           </a:p>
@@ -1233,7 +1233,7 @@
           <a:p>
             <a:fld id="{0402902D-A5F5-4D7D-AAA7-32469BA0BC4D}" type="datetimeFigureOut">
               <a:rPr lang="en-US"/>
-              <a:t>4/20/18</a:t>
+              <a:t>6/20/18</a:t>
             </a:fld>
             <a:endParaRPr/>
           </a:p>
@@ -1504,7 +1504,7 @@
           <a:p>
             <a:fld id="{0402902D-A5F5-4D7D-AAA7-32469BA0BC4D}" type="datetimeFigureOut">
               <a:rPr lang="en-US"/>
-              <a:t>4/20/18</a:t>
+              <a:t>6/20/18</a:t>
             </a:fld>
             <a:endParaRPr/>
           </a:p>
@@ -1686,7 +1686,7 @@
           <a:p>
             <a:fld id="{0402902D-A5F5-4D7D-AAA7-32469BA0BC4D}" type="datetimeFigureOut">
               <a:rPr lang="en-US"/>
-              <a:t>4/20/18</a:t>
+              <a:t>6/20/18</a:t>
             </a:fld>
             <a:endParaRPr/>
           </a:p>
@@ -2273,7 +2273,7 @@
           <a:p>
             <a:fld id="{0402902D-A5F5-4D7D-AAA7-32469BA0BC4D}" type="datetimeFigureOut">
               <a:rPr lang="en-US"/>
-              <a:t>4/20/18</a:t>
+              <a:t>6/20/18</a:t>
             </a:fld>
             <a:endParaRPr/>
           </a:p>
@@ -2721,7 +2721,7 @@
           <a:p>
             <a:fld id="{0402902D-A5F5-4D7D-AAA7-32469BA0BC4D}" type="datetimeFigureOut">
               <a:rPr lang="en-US"/>
-              <a:t>4/20/18</a:t>
+              <a:t>6/20/18</a:t>
             </a:fld>
             <a:endParaRPr/>
           </a:p>
@@ -2851,7 +2851,7 @@
           <a:p>
             <a:fld id="{0402902D-A5F5-4D7D-AAA7-32469BA0BC4D}" type="datetimeFigureOut">
               <a:rPr lang="en-US"/>
-              <a:t>4/20/18</a:t>
+              <a:t>6/20/18</a:t>
             </a:fld>
             <a:endParaRPr/>
           </a:p>
@@ -2958,7 +2958,7 @@
           <a:p>
             <a:fld id="{0402902D-A5F5-4D7D-AAA7-32469BA0BC4D}" type="datetimeFigureOut">
               <a:rPr lang="en-US"/>
-              <a:t>4/20/18</a:t>
+              <a:t>6/20/18</a:t>
             </a:fld>
             <a:endParaRPr dirty="0"/>
           </a:p>
@@ -3930,7 +3930,7 @@
             <a:fld id="{0402902D-A5F5-4D7D-AAA7-32469BA0BC4D}" type="datetimeFigureOut">
               <a:rPr lang="en-US"/>
               <a:pPr/>
-              <a:t>4/20/18</a:t>
+              <a:t>6/20/18</a:t>
             </a:fld>
             <a:endParaRPr dirty="0"/>
           </a:p>
